--- a/設計書/3_月報管理システム 画面デザインイメージ.pptx
+++ b/設計書/3_月報管理システム 画面デザインイメージ.pptx
@@ -5,10 +5,10 @@
     <p:sldMasterId id="2147483672" r:id="rId1"/>
   </p:sldMasterIdLst>
   <p:notesMasterIdLst>
-    <p:notesMasterId r:id="rId10"/>
+    <p:notesMasterId r:id="rId13"/>
   </p:notesMasterIdLst>
   <p:handoutMasterIdLst>
-    <p:handoutMasterId r:id="rId11"/>
+    <p:handoutMasterId r:id="rId14"/>
   </p:handoutMasterIdLst>
   <p:sldIdLst>
     <p:sldId id="256" r:id="rId2"/>
@@ -18,7 +18,10 @@
     <p:sldId id="260" r:id="rId6"/>
     <p:sldId id="261" r:id="rId7"/>
     <p:sldId id="262" r:id="rId8"/>
-    <p:sldId id="263" r:id="rId9"/>
+    <p:sldId id="264" r:id="rId9"/>
+    <p:sldId id="265" r:id="rId10"/>
+    <p:sldId id="266" r:id="rId11"/>
+    <p:sldId id="263" r:id="rId12"/>
   </p:sldIdLst>
   <p:sldSz cx="9144000" cy="6858000" type="screen4x3"/>
   <p:notesSz cx="6858000" cy="9144000"/>
@@ -203,7 +206,7 @@
             <a:fld id="{BCDAA5EE-A947-4495-AD3A-0037BFB73522}" type="datetimeFigureOut">
               <a:rPr kumimoji="1" lang="ja-JP" altLang="en-US" smtClean="0"/>
               <a:pPr/>
-              <a:t>2016/6/29</a:t>
+              <a:t>2016/8/10</a:t>
             </a:fld>
             <a:endParaRPr kumimoji="1" lang="ja-JP" altLang="en-US"/>
           </a:p>
@@ -370,7 +373,7 @@
             <a:fld id="{B865EC08-ADE3-4A7C-8117-50520C10DDF4}" type="datetimeFigureOut">
               <a:rPr kumimoji="1" lang="ja-JP" altLang="en-US" smtClean="0"/>
               <a:pPr/>
-              <a:t>2016/6/29</a:t>
+              <a:t>2016/8/10</a:t>
             </a:fld>
             <a:endParaRPr kumimoji="1" lang="ja-JP" altLang="en-US"/>
           </a:p>
@@ -1296,7 +1299,7 @@
           <a:p>
             <a:fld id="{C31FF1BB-48B5-45A0-8912-643B4C57C063}" type="datetime1">
               <a:rPr kumimoji="1" lang="ja-JP" altLang="en-US" smtClean="0"/>
-              <a:t>2016/6/29</a:t>
+              <a:t>2016/8/10</a:t>
             </a:fld>
             <a:endParaRPr kumimoji="1" lang="ja-JP" altLang="en-US"/>
           </a:p>
@@ -1525,7 +1528,7 @@
           <a:p>
             <a:fld id="{36D103B7-F187-4B8D-BBBD-302F2F8B175D}" type="datetime1">
               <a:rPr kumimoji="1" lang="ja-JP" altLang="en-US" smtClean="0"/>
-              <a:t>2016/6/29</a:t>
+              <a:t>2016/8/10</a:t>
             </a:fld>
             <a:endParaRPr kumimoji="1" lang="ja-JP" altLang="en-US"/>
           </a:p>
@@ -1743,7 +1746,7 @@
           <a:p>
             <a:fld id="{616318D9-6788-4043-B1A3-81169199D2C3}" type="datetime1">
               <a:rPr kumimoji="1" lang="ja-JP" altLang="en-US" smtClean="0"/>
-              <a:t>2016/6/29</a:t>
+              <a:t>2016/8/10</a:t>
             </a:fld>
             <a:endParaRPr kumimoji="1" lang="ja-JP" altLang="en-US"/>
           </a:p>
@@ -1926,7 +1929,7 @@
           <a:p>
             <a:fld id="{3EB2B793-AA49-4AE9-AF38-96BB8CAFB1D7}" type="datetime1">
               <a:rPr kumimoji="1" lang="ja-JP" altLang="en-US" smtClean="0"/>
-              <a:t>2016/6/29</a:t>
+              <a:t>2016/8/10</a:t>
             </a:fld>
             <a:endParaRPr kumimoji="1" lang="ja-JP" altLang="en-US"/>
           </a:p>
@@ -2182,7 +2185,7 @@
           <a:p>
             <a:fld id="{0354AE8F-E7F1-4587-95B4-48E0C7D10816}" type="datetime1">
               <a:rPr kumimoji="1" lang="ja-JP" altLang="en-US" smtClean="0"/>
-              <a:t>2016/6/29</a:t>
+              <a:t>2016/8/10</a:t>
             </a:fld>
             <a:endParaRPr kumimoji="1" lang="ja-JP" altLang="en-US"/>
           </a:p>
@@ -2656,7 +2659,7 @@
           <a:p>
             <a:fld id="{D354C179-D880-4013-8132-1BEE8E8C0A9A}" type="datetime1">
               <a:rPr kumimoji="1" lang="ja-JP" altLang="en-US" smtClean="0"/>
-              <a:t>2016/6/29</a:t>
+              <a:t>2016/8/10</a:t>
             </a:fld>
             <a:endParaRPr kumimoji="1" lang="ja-JP" altLang="en-US"/>
           </a:p>
@@ -3167,7 +3170,7 @@
           <a:p>
             <a:fld id="{857F88FE-DF06-41B4-B299-42F735F420E9}" type="datetime1">
               <a:rPr kumimoji="1" lang="ja-JP" altLang="en-US" smtClean="0"/>
-              <a:t>2016/6/29</a:t>
+              <a:t>2016/8/10</a:t>
             </a:fld>
             <a:endParaRPr kumimoji="1" lang="ja-JP" altLang="en-US"/>
           </a:p>
@@ -3269,7 +3272,7 @@
           <a:p>
             <a:fld id="{B7038255-8816-4D6D-BA3E-553F188F5582}" type="datetime1">
               <a:rPr kumimoji="1" lang="ja-JP" altLang="en-US" smtClean="0"/>
-              <a:t>2016/6/29</a:t>
+              <a:t>2016/8/10</a:t>
             </a:fld>
             <a:endParaRPr kumimoji="1" lang="ja-JP" altLang="en-US"/>
           </a:p>
@@ -3391,7 +3394,7 @@
           <a:p>
             <a:fld id="{E83D8C05-108D-4FF1-B90B-D35DC3AA9CB0}" type="datetime1">
               <a:rPr kumimoji="1" lang="ja-JP" altLang="en-US" smtClean="0"/>
-              <a:t>2016/6/29</a:t>
+              <a:t>2016/8/10</a:t>
             </a:fld>
             <a:endParaRPr kumimoji="1" lang="ja-JP" altLang="en-US"/>
           </a:p>
@@ -3698,7 +3701,7 @@
           <a:p>
             <a:fld id="{F15E52C1-27FF-4037-A27C-8C2EFCFB00FB}" type="datetime1">
               <a:rPr kumimoji="1" lang="ja-JP" altLang="en-US" smtClean="0"/>
-              <a:t>2016/6/29</a:t>
+              <a:t>2016/8/10</a:t>
             </a:fld>
             <a:endParaRPr kumimoji="1" lang="ja-JP" altLang="en-US"/>
           </a:p>
@@ -3904,7 +3907,7 @@
           <a:p>
             <a:fld id="{961BD30A-CDD6-447A-80C1-904F6F05D04E}" type="datetime1">
               <a:rPr kumimoji="1" lang="ja-JP" altLang="en-US" smtClean="0"/>
-              <a:t>2016/6/29</a:t>
+              <a:t>2016/8/10</a:t>
             </a:fld>
             <a:endParaRPr kumimoji="1" lang="ja-JP" altLang="en-US"/>
           </a:p>
@@ -5046,7 +5049,7 @@
           <a:p>
             <a:fld id="{C4BEE03A-BEC9-4C8F-906D-E05319DD9766}" type="datetime1">
               <a:rPr kumimoji="1" lang="ja-JP" altLang="en-US" smtClean="0"/>
-              <a:t>2016/6/29</a:t>
+              <a:t>2016/8/10</a:t>
             </a:fld>
             <a:endParaRPr kumimoji="1" lang="ja-JP" altLang="en-US"/>
           </a:p>
@@ -5529,6 +5532,263 @@
 </p:sld>
 </file>
 
+<file path=ppt/slides/slide10.xml><?xml version="1.0" encoding="utf-8"?>
+<p:sld xmlns:a="http://schemas.openxmlformats.org/drawingml/2006/main" xmlns:r="http://schemas.openxmlformats.org/officeDocument/2006/relationships" xmlns:p="http://schemas.openxmlformats.org/presentationml/2006/main">
+  <p:cSld>
+    <p:spTree>
+      <p:nvGrpSpPr>
+        <p:cNvPr id="1" name=""/>
+        <p:cNvGrpSpPr/>
+        <p:nvPr/>
+      </p:nvGrpSpPr>
+      <p:grpSpPr>
+        <a:xfrm>
+          <a:off x="0" y="0"/>
+          <a:ext cx="0" cy="0"/>
+          <a:chOff x="0" y="0"/>
+          <a:chExt cx="0" cy="0"/>
+        </a:xfrm>
+      </p:grpSpPr>
+      <p:sp>
+        <p:nvSpPr>
+          <p:cNvPr id="3" name="スライド番号プレースホルダー 2"/>
+          <p:cNvSpPr>
+            <a:spLocks noGrp="1"/>
+          </p:cNvSpPr>
+          <p:nvPr>
+            <p:ph type="sldNum" sz="quarter" idx="12"/>
+          </p:nvPr>
+        </p:nvSpPr>
+        <p:spPr/>
+        <p:txBody>
+          <a:bodyPr/>
+          <a:lstStyle/>
+          <a:p>
+            <a:fld id="{1B2C9F7E-80B6-4C3C-8A6C-643968CAB744}" type="slidenum">
+              <a:rPr kumimoji="1" lang="ja-JP" altLang="en-US" smtClean="0"/>
+              <a:pPr/>
+              <a:t>10</a:t>
+            </a:fld>
+            <a:endParaRPr kumimoji="1" lang="ja-JP" altLang="en-US"/>
+          </a:p>
+        </p:txBody>
+      </p:sp>
+      <p:sp>
+        <p:nvSpPr>
+          <p:cNvPr id="4" name="タイトル 3"/>
+          <p:cNvSpPr>
+            <a:spLocks noGrp="1"/>
+          </p:cNvSpPr>
+          <p:nvPr>
+            <p:ph type="title"/>
+          </p:nvPr>
+        </p:nvSpPr>
+        <p:spPr/>
+        <p:txBody>
+          <a:bodyPr/>
+          <a:lstStyle/>
+          <a:p>
+            <a:r>
+              <a:rPr lang="ja-JP" altLang="en-US" dirty="0" smtClean="0"/>
+              <a:t>月報一覧</a:t>
+            </a:r>
+            <a:r>
+              <a:rPr kumimoji="1" lang="ja-JP" altLang="en-US" dirty="0" smtClean="0"/>
+              <a:t>画面</a:t>
+            </a:r>
+            <a:endParaRPr kumimoji="1" lang="ja-JP" altLang="en-US" dirty="0"/>
+          </a:p>
+        </p:txBody>
+      </p:sp>
+      <p:pic>
+        <p:nvPicPr>
+          <p:cNvPr id="8194" name="Picture 2"/>
+          <p:cNvPicPr>
+            <a:picLocks noGrp="1" noChangeAspect="1" noChangeArrowheads="1"/>
+          </p:cNvPicPr>
+          <p:nvPr>
+            <p:ph idx="1"/>
+          </p:nvPr>
+        </p:nvPicPr>
+        <p:blipFill>
+          <a:blip r:embed="rId2">
+            <a:extLst>
+              <a:ext uri="{28A0092B-C50C-407E-A947-70E740481C1C}">
+                <a14:useLocalDpi xmlns:a14="http://schemas.microsoft.com/office/drawing/2010/main" val="0"/>
+              </a:ext>
+            </a:extLst>
+          </a:blip>
+          <a:srcRect/>
+          <a:stretch>
+            <a:fillRect/>
+          </a:stretch>
+        </p:blipFill>
+        <p:spPr bwMode="auto">
+          <a:xfrm>
+            <a:off x="1554692" y="1481138"/>
+            <a:ext cx="6034616" cy="4525962"/>
+          </a:xfrm>
+          <a:prstGeom prst="rect">
+            <a:avLst/>
+          </a:prstGeom>
+          <a:noFill/>
+          <a:ln w="9525">
+            <a:solidFill>
+              <a:schemeClr val="tx1"/>
+            </a:solidFill>
+            <a:miter lim="800000"/>
+            <a:headEnd/>
+            <a:tailEnd/>
+          </a:ln>
+          <a:extLst>
+            <a:ext uri="{909E8E84-426E-40DD-AFC4-6F175D3DCCD1}">
+              <a14:hiddenFill xmlns:a14="http://schemas.microsoft.com/office/drawing/2010/main">
+                <a:solidFill>
+                  <a:schemeClr val="accent1"/>
+                </a:solidFill>
+              </a14:hiddenFill>
+            </a:ext>
+          </a:extLst>
+        </p:spPr>
+      </p:pic>
+    </p:spTree>
+    <p:extLst>
+      <p:ext uri="{BB962C8B-B14F-4D97-AF65-F5344CB8AC3E}">
+        <p14:creationId xmlns:p14="http://schemas.microsoft.com/office/powerpoint/2010/main" val="2670292872"/>
+      </p:ext>
+    </p:extLst>
+  </p:cSld>
+  <p:clrMapOvr>
+    <a:masterClrMapping/>
+  </p:clrMapOvr>
+  <p:timing>
+    <p:tnLst>
+      <p:par>
+        <p:cTn id="1" dur="indefinite" restart="never" nodeType="tmRoot"/>
+      </p:par>
+    </p:tnLst>
+  </p:timing>
+</p:sld>
+</file>
+
+<file path=ppt/slides/slide11.xml><?xml version="1.0" encoding="utf-8"?>
+<p:sld xmlns:a="http://schemas.openxmlformats.org/drawingml/2006/main" xmlns:r="http://schemas.openxmlformats.org/officeDocument/2006/relationships" xmlns:p="http://schemas.openxmlformats.org/presentationml/2006/main">
+  <p:cSld>
+    <p:spTree>
+      <p:nvGrpSpPr>
+        <p:cNvPr id="1" name=""/>
+        <p:cNvGrpSpPr/>
+        <p:nvPr/>
+      </p:nvGrpSpPr>
+      <p:grpSpPr>
+        <a:xfrm>
+          <a:off x="0" y="0"/>
+          <a:ext cx="0" cy="0"/>
+          <a:chOff x="0" y="0"/>
+          <a:chExt cx="0" cy="0"/>
+        </a:xfrm>
+      </p:grpSpPr>
+      <p:sp>
+        <p:nvSpPr>
+          <p:cNvPr id="3" name="スライド番号プレースホルダー 2"/>
+          <p:cNvSpPr>
+            <a:spLocks noGrp="1"/>
+          </p:cNvSpPr>
+          <p:nvPr>
+            <p:ph type="sldNum" sz="quarter" idx="12"/>
+          </p:nvPr>
+        </p:nvSpPr>
+        <p:spPr/>
+        <p:txBody>
+          <a:bodyPr/>
+          <a:lstStyle/>
+          <a:p>
+            <a:fld id="{1B2C9F7E-80B6-4C3C-8A6C-643968CAB744}" type="slidenum">
+              <a:rPr kumimoji="1" lang="ja-JP" altLang="en-US" smtClean="0"/>
+              <a:pPr/>
+              <a:t>11</a:t>
+            </a:fld>
+            <a:endParaRPr kumimoji="1" lang="ja-JP" altLang="en-US"/>
+          </a:p>
+        </p:txBody>
+      </p:sp>
+      <p:sp>
+        <p:nvSpPr>
+          <p:cNvPr id="4" name="タイトル 3"/>
+          <p:cNvSpPr>
+            <a:spLocks noGrp="1"/>
+          </p:cNvSpPr>
+          <p:nvPr>
+            <p:ph type="title"/>
+          </p:nvPr>
+        </p:nvSpPr>
+        <p:spPr/>
+        <p:txBody>
+          <a:bodyPr/>
+          <a:lstStyle/>
+          <a:p>
+            <a:r>
+              <a:rPr kumimoji="1" lang="ja-JP" altLang="en-US" dirty="0" smtClean="0"/>
+              <a:t>エラーメッセージ</a:t>
+            </a:r>
+            <a:endParaRPr kumimoji="1" lang="ja-JP" altLang="en-US" dirty="0"/>
+          </a:p>
+        </p:txBody>
+      </p:sp>
+      <p:pic>
+        <p:nvPicPr>
+          <p:cNvPr id="5" name="コンテンツ プレースホルダー 4"/>
+          <p:cNvPicPr>
+            <a:picLocks noGrp="1" noChangeAspect="1"/>
+          </p:cNvPicPr>
+          <p:nvPr>
+            <p:ph idx="1"/>
+          </p:nvPr>
+        </p:nvPicPr>
+        <p:blipFill>
+          <a:blip r:embed="rId2">
+            <a:extLst>
+              <a:ext uri="{28A0092B-C50C-407E-A947-70E740481C1C}">
+                <a14:useLocalDpi xmlns:a14="http://schemas.microsoft.com/office/drawing/2010/main" val="0"/>
+              </a:ext>
+            </a:extLst>
+          </a:blip>
+          <a:stretch>
+            <a:fillRect/>
+          </a:stretch>
+        </p:blipFill>
+        <p:spPr>
+          <a:xfrm>
+            <a:off x="1517124" y="1481138"/>
+            <a:ext cx="6109751" cy="4525962"/>
+          </a:xfrm>
+          <a:ln>
+            <a:solidFill>
+              <a:schemeClr val="tx1"/>
+            </a:solidFill>
+          </a:ln>
+        </p:spPr>
+      </p:pic>
+    </p:spTree>
+    <p:extLst>
+      <p:ext uri="{BB962C8B-B14F-4D97-AF65-F5344CB8AC3E}">
+        <p14:creationId xmlns:p14="http://schemas.microsoft.com/office/powerpoint/2010/main" val="955195732"/>
+      </p:ext>
+    </p:extLst>
+  </p:cSld>
+  <p:clrMapOvr>
+    <a:masterClrMapping/>
+  </p:clrMapOvr>
+  <p:timing>
+    <p:tnLst>
+      <p:par>
+        <p:cTn id="1" dur="indefinite" restart="never" nodeType="tmRoot"/>
+      </p:par>
+    </p:tnLst>
+  </p:timing>
+</p:sld>
+</file>
+
 <file path=ppt/slides/slide2.xml><?xml version="1.0" encoding="utf-8"?>
 <p:sld xmlns:a="http://schemas.openxmlformats.org/drawingml/2006/main" xmlns:r="http://schemas.openxmlformats.org/officeDocument/2006/relationships" xmlns:p="http://schemas.openxmlformats.org/presentationml/2006/main">
   <p:cSld>
@@ -5713,9 +5973,9 @@
       </p:sp>
       <p:pic>
         <p:nvPicPr>
-          <p:cNvPr id="7" name="コンテンツ プレースホルダー 6"/>
+          <p:cNvPr id="1027" name="Picture 3"/>
           <p:cNvPicPr>
-            <a:picLocks noGrp="1" noChangeAspect="1"/>
+            <a:picLocks noGrp="1" noChangeAspect="1" noChangeArrowheads="1"/>
           </p:cNvPicPr>
           <p:nvPr>
             <p:ph idx="1"/>
@@ -5729,20 +5989,135 @@
               </a:ext>
             </a:extLst>
           </a:blip>
+          <a:srcRect/>
           <a:stretch>
             <a:fillRect/>
           </a:stretch>
         </p:blipFill>
-        <p:spPr>
+        <p:spPr bwMode="auto">
           <a:xfrm>
-            <a:off x="1517124" y="1481138"/>
-            <a:ext cx="6109751" cy="4525962"/>
+            <a:off x="395536" y="1340768"/>
+            <a:ext cx="6034616" cy="4525962"/>
           </a:xfrm>
-          <a:ln>
+          <a:prstGeom prst="rect">
+            <a:avLst/>
+          </a:prstGeom>
+          <a:noFill/>
+          <a:ln w="9525">
             <a:solidFill>
               <a:schemeClr val="tx1"/>
             </a:solidFill>
+            <a:miter lim="800000"/>
+            <a:headEnd/>
+            <a:tailEnd/>
           </a:ln>
+          <a:extLst>
+            <a:ext uri="{909E8E84-426E-40DD-AFC4-6F175D3DCCD1}">
+              <a14:hiddenFill xmlns:a14="http://schemas.microsoft.com/office/drawing/2010/main">
+                <a:solidFill>
+                  <a:schemeClr val="accent1"/>
+                </a:solidFill>
+              </a14:hiddenFill>
+            </a:ext>
+          </a:extLst>
+        </p:spPr>
+      </p:pic>
+      <p:pic>
+        <p:nvPicPr>
+          <p:cNvPr id="1028" name="Picture 4"/>
+          <p:cNvPicPr>
+            <a:picLocks noChangeAspect="1" noChangeArrowheads="1"/>
+          </p:cNvPicPr>
+          <p:nvPr/>
+        </p:nvPicPr>
+        <p:blipFill>
+          <a:blip r:embed="rId3">
+            <a:extLst>
+              <a:ext uri="{28A0092B-C50C-407E-A947-70E740481C1C}">
+                <a14:useLocalDpi xmlns:a14="http://schemas.microsoft.com/office/drawing/2010/main" val="0"/>
+              </a:ext>
+            </a:extLst>
+          </a:blip>
+          <a:srcRect/>
+          <a:stretch>
+            <a:fillRect/>
+          </a:stretch>
+        </p:blipFill>
+        <p:spPr bwMode="auto">
+          <a:xfrm>
+            <a:off x="1619672" y="1701888"/>
+            <a:ext cx="6047232" cy="4535424"/>
+          </a:xfrm>
+          <a:prstGeom prst="rect">
+            <a:avLst/>
+          </a:prstGeom>
+          <a:noFill/>
+          <a:ln w="9525">
+            <a:solidFill>
+              <a:schemeClr val="tx1"/>
+            </a:solidFill>
+            <a:miter lim="800000"/>
+            <a:headEnd/>
+            <a:tailEnd/>
+          </a:ln>
+          <a:extLst>
+            <a:ext uri="{909E8E84-426E-40DD-AFC4-6F175D3DCCD1}">
+              <a14:hiddenFill xmlns:a14="http://schemas.microsoft.com/office/drawing/2010/main">
+                <a:solidFill>
+                  <a:schemeClr val="accent1"/>
+                </a:solidFill>
+              </a14:hiddenFill>
+            </a:ext>
+          </a:extLst>
+        </p:spPr>
+      </p:pic>
+      <p:pic>
+        <p:nvPicPr>
+          <p:cNvPr id="1029" name="Picture 5"/>
+          <p:cNvPicPr>
+            <a:picLocks noChangeAspect="1" noChangeArrowheads="1"/>
+          </p:cNvPicPr>
+          <p:nvPr/>
+        </p:nvPicPr>
+        <p:blipFill>
+          <a:blip r:embed="rId4">
+            <a:extLst>
+              <a:ext uri="{28A0092B-C50C-407E-A947-70E740481C1C}">
+                <a14:useLocalDpi xmlns:a14="http://schemas.microsoft.com/office/drawing/2010/main" val="0"/>
+              </a:ext>
+            </a:extLst>
+          </a:blip>
+          <a:srcRect/>
+          <a:stretch>
+            <a:fillRect/>
+          </a:stretch>
+        </p:blipFill>
+        <p:spPr bwMode="auto">
+          <a:xfrm>
+            <a:off x="2987824" y="2060848"/>
+            <a:ext cx="6047232" cy="4535424"/>
+          </a:xfrm>
+          <a:prstGeom prst="rect">
+            <a:avLst/>
+          </a:prstGeom>
+          <a:noFill/>
+          <a:ln w="9525">
+            <a:solidFill>
+              <a:schemeClr val="tx1"/>
+            </a:solidFill>
+            <a:miter lim="800000"/>
+            <a:headEnd/>
+            <a:tailEnd/>
+          </a:ln>
+          <a:extLst>
+            <a:ext uri="{909E8E84-426E-40DD-AFC4-6F175D3DCCD1}">
+              <a14:hiddenFill xmlns:a14="http://schemas.microsoft.com/office/drawing/2010/main">
+                <a:solidFill>
+                  <a:schemeClr val="accent1"/>
+                </a:solidFill>
+              </a14:hiddenFill>
+            </a:ext>
+          </a:extLst>
         </p:spPr>
       </p:pic>
     </p:spTree>
@@ -5835,9 +6210,9 @@
       </p:sp>
       <p:pic>
         <p:nvPicPr>
-          <p:cNvPr id="5" name="コンテンツ プレースホルダー 4"/>
+          <p:cNvPr id="2050" name="Picture 2"/>
           <p:cNvPicPr>
-            <a:picLocks noGrp="1" noChangeAspect="1"/>
+            <a:picLocks noGrp="1" noChangeAspect="1" noChangeArrowheads="1"/>
           </p:cNvPicPr>
           <p:nvPr>
             <p:ph idx="1"/>
@@ -5851,20 +6226,37 @@
               </a:ext>
             </a:extLst>
           </a:blip>
+          <a:srcRect/>
           <a:stretch>
             <a:fillRect/>
           </a:stretch>
         </p:blipFill>
-        <p:spPr>
+        <p:spPr bwMode="auto">
           <a:xfrm>
-            <a:off x="1517124" y="1481138"/>
-            <a:ext cx="6109751" cy="4525962"/>
+            <a:off x="1554692" y="1481138"/>
+            <a:ext cx="6034616" cy="4525962"/>
           </a:xfrm>
-          <a:ln>
+          <a:prstGeom prst="rect">
+            <a:avLst/>
+          </a:prstGeom>
+          <a:noFill/>
+          <a:ln w="9525">
             <a:solidFill>
               <a:schemeClr val="tx1"/>
             </a:solidFill>
+            <a:miter lim="800000"/>
+            <a:headEnd/>
+            <a:tailEnd/>
           </a:ln>
+          <a:extLst>
+            <a:ext uri="{909E8E84-426E-40DD-AFC4-6F175D3DCCD1}">
+              <a14:hiddenFill xmlns:a14="http://schemas.microsoft.com/office/drawing/2010/main">
+                <a:solidFill>
+                  <a:schemeClr val="accent1"/>
+                </a:solidFill>
+              </a14:hiddenFill>
+            </a:ext>
+          </a:extLst>
         </p:spPr>
       </p:pic>
     </p:spTree>
@@ -5963,9 +6355,9 @@
       </p:sp>
       <p:pic>
         <p:nvPicPr>
-          <p:cNvPr id="5" name="コンテンツ プレースホルダー 4"/>
+          <p:cNvPr id="3074" name="Picture 2"/>
           <p:cNvPicPr>
-            <a:picLocks noGrp="1" noChangeAspect="1"/>
+            <a:picLocks noGrp="1" noChangeAspect="1" noChangeArrowheads="1"/>
           </p:cNvPicPr>
           <p:nvPr>
             <p:ph idx="1"/>
@@ -5979,20 +6371,37 @@
               </a:ext>
             </a:extLst>
           </a:blip>
+          <a:srcRect/>
           <a:stretch>
             <a:fillRect/>
           </a:stretch>
         </p:blipFill>
-        <p:spPr>
+        <p:spPr bwMode="auto">
           <a:xfrm>
-            <a:off x="1517124" y="1481138"/>
-            <a:ext cx="6109751" cy="4525962"/>
+            <a:off x="1554692" y="1481138"/>
+            <a:ext cx="6034616" cy="4525962"/>
           </a:xfrm>
-          <a:ln>
+          <a:prstGeom prst="rect">
+            <a:avLst/>
+          </a:prstGeom>
+          <a:noFill/>
+          <a:ln w="9525">
             <a:solidFill>
               <a:schemeClr val="tx1"/>
             </a:solidFill>
+            <a:miter lim="800000"/>
+            <a:headEnd/>
+            <a:tailEnd/>
           </a:ln>
+          <a:extLst>
+            <a:ext uri="{909E8E84-426E-40DD-AFC4-6F175D3DCCD1}">
+              <a14:hiddenFill xmlns:a14="http://schemas.microsoft.com/office/drawing/2010/main">
+                <a:solidFill>
+                  <a:schemeClr val="accent1"/>
+                </a:solidFill>
+              </a14:hiddenFill>
+            </a:ext>
+          </a:extLst>
         </p:spPr>
       </p:pic>
     </p:spTree>
@@ -6073,7 +6482,7 @@
           <a:p>
             <a:r>
               <a:rPr lang="ja-JP" altLang="en-US" dirty="0" smtClean="0"/>
-              <a:t>月報状況一覧</a:t>
+              <a:t>月報申請</a:t>
             </a:r>
             <a:r>
               <a:rPr kumimoji="1" lang="ja-JP" altLang="en-US" dirty="0" smtClean="0"/>
@@ -6085,9 +6494,9 @@
       </p:sp>
       <p:pic>
         <p:nvPicPr>
-          <p:cNvPr id="5" name="コンテンツ プレースホルダー 4"/>
+          <p:cNvPr id="4099" name="Picture 3"/>
           <p:cNvPicPr>
-            <a:picLocks noGrp="1" noChangeAspect="1"/>
+            <a:picLocks noGrp="1" noChangeAspect="1" noChangeArrowheads="1"/>
           </p:cNvPicPr>
           <p:nvPr>
             <p:ph idx="1"/>
@@ -6101,20 +6510,37 @@
               </a:ext>
             </a:extLst>
           </a:blip>
+          <a:srcRect/>
           <a:stretch>
             <a:fillRect/>
           </a:stretch>
         </p:blipFill>
-        <p:spPr>
+        <p:spPr bwMode="auto">
           <a:xfrm>
-            <a:off x="1517124" y="1481138"/>
-            <a:ext cx="6109751" cy="4525962"/>
+            <a:off x="1554692" y="1481138"/>
+            <a:ext cx="6034616" cy="4525962"/>
           </a:xfrm>
-          <a:ln>
+          <a:prstGeom prst="rect">
+            <a:avLst/>
+          </a:prstGeom>
+          <a:noFill/>
+          <a:ln w="9525">
             <a:solidFill>
               <a:schemeClr val="tx1"/>
             </a:solidFill>
+            <a:miter lim="800000"/>
+            <a:headEnd/>
+            <a:tailEnd/>
           </a:ln>
+          <a:extLst>
+            <a:ext uri="{909E8E84-426E-40DD-AFC4-6F175D3DCCD1}">
+              <a14:hiddenFill xmlns:a14="http://schemas.microsoft.com/office/drawing/2010/main">
+                <a:solidFill>
+                  <a:schemeClr val="accent1"/>
+                </a:solidFill>
+              </a14:hiddenFill>
+            </a:ext>
+          </a:extLst>
         </p:spPr>
       </p:pic>
     </p:spTree>
@@ -6195,7 +6621,7 @@
           <a:p>
             <a:r>
               <a:rPr lang="ja-JP" altLang="en-US" dirty="0" smtClean="0"/>
-              <a:t>月報申請</a:t>
+              <a:t>月報申請状況一覧</a:t>
             </a:r>
             <a:r>
               <a:rPr kumimoji="1" lang="ja-JP" altLang="en-US" dirty="0" smtClean="0"/>
@@ -6207,9 +6633,9 @@
       </p:sp>
       <p:pic>
         <p:nvPicPr>
-          <p:cNvPr id="5" name="コンテンツ プレースホルダー 4"/>
+          <p:cNvPr id="5122" name="Picture 2"/>
           <p:cNvPicPr>
-            <a:picLocks noGrp="1" noChangeAspect="1"/>
+            <a:picLocks noGrp="1" noChangeAspect="1" noChangeArrowheads="1"/>
           </p:cNvPicPr>
           <p:nvPr>
             <p:ph idx="1"/>
@@ -6223,20 +6649,37 @@
               </a:ext>
             </a:extLst>
           </a:blip>
+          <a:srcRect/>
           <a:stretch>
             <a:fillRect/>
           </a:stretch>
         </p:blipFill>
-        <p:spPr>
+        <p:spPr bwMode="auto">
           <a:xfrm>
-            <a:off x="1517124" y="1481138"/>
-            <a:ext cx="6109751" cy="4525962"/>
+            <a:off x="1554692" y="1481138"/>
+            <a:ext cx="6034616" cy="4525962"/>
           </a:xfrm>
-          <a:ln>
+          <a:prstGeom prst="rect">
+            <a:avLst/>
+          </a:prstGeom>
+          <a:noFill/>
+          <a:ln w="9525">
             <a:solidFill>
               <a:schemeClr val="tx1"/>
             </a:solidFill>
+            <a:miter lim="800000"/>
+            <a:headEnd/>
+            <a:tailEnd/>
           </a:ln>
+          <a:extLst>
+            <a:ext uri="{909E8E84-426E-40DD-AFC4-6F175D3DCCD1}">
+              <a14:hiddenFill xmlns:a14="http://schemas.microsoft.com/office/drawing/2010/main">
+                <a:solidFill>
+                  <a:schemeClr val="accent1"/>
+                </a:solidFill>
+              </a14:hiddenFill>
+            </a:ext>
+          </a:extLst>
         </p:spPr>
       </p:pic>
     </p:spTree>
@@ -6316,8 +6759,12 @@
           <a:lstStyle/>
           <a:p>
             <a:r>
+              <a:rPr lang="ja-JP" altLang="en-US" dirty="0" smtClean="0"/>
+              <a:t>月報承認状況一覧</a:t>
+            </a:r>
+            <a:r>
               <a:rPr kumimoji="1" lang="ja-JP" altLang="en-US" dirty="0" smtClean="0"/>
-              <a:t>エラーメッセージ</a:t>
+              <a:t>画面</a:t>
             </a:r>
             <a:endParaRPr kumimoji="1" lang="ja-JP" altLang="en-US" dirty="0"/>
           </a:p>
@@ -6325,9 +6772,9 @@
       </p:sp>
       <p:pic>
         <p:nvPicPr>
-          <p:cNvPr id="5" name="コンテンツ プレースホルダー 4"/>
+          <p:cNvPr id="6146" name="Picture 2"/>
           <p:cNvPicPr>
-            <a:picLocks noGrp="1" noChangeAspect="1"/>
+            <a:picLocks noGrp="1" noChangeAspect="1" noChangeArrowheads="1"/>
           </p:cNvPicPr>
           <p:nvPr>
             <p:ph idx="1"/>
@@ -6341,26 +6788,182 @@
               </a:ext>
             </a:extLst>
           </a:blip>
+          <a:srcRect/>
           <a:stretch>
             <a:fillRect/>
           </a:stretch>
         </p:blipFill>
-        <p:spPr>
+        <p:spPr bwMode="auto">
           <a:xfrm>
-            <a:off x="1517124" y="1481138"/>
-            <a:ext cx="6109751" cy="4525962"/>
+            <a:off x="1554692" y="1481138"/>
+            <a:ext cx="6034616" cy="4525962"/>
           </a:xfrm>
-          <a:ln>
+          <a:prstGeom prst="rect">
+            <a:avLst/>
+          </a:prstGeom>
+          <a:noFill/>
+          <a:ln w="9525">
             <a:solidFill>
               <a:schemeClr val="tx1"/>
             </a:solidFill>
+            <a:miter lim="800000"/>
+            <a:headEnd/>
+            <a:tailEnd/>
           </a:ln>
+          <a:extLst>
+            <a:ext uri="{909E8E84-426E-40DD-AFC4-6F175D3DCCD1}">
+              <a14:hiddenFill xmlns:a14="http://schemas.microsoft.com/office/drawing/2010/main">
+                <a:solidFill>
+                  <a:schemeClr val="accent1"/>
+                </a:solidFill>
+              </a14:hiddenFill>
+            </a:ext>
+          </a:extLst>
         </p:spPr>
       </p:pic>
     </p:spTree>
     <p:extLst>
       <p:ext uri="{BB962C8B-B14F-4D97-AF65-F5344CB8AC3E}">
-        <p14:creationId xmlns:p14="http://schemas.microsoft.com/office/powerpoint/2010/main" val="955195732"/>
+        <p14:creationId xmlns:p14="http://schemas.microsoft.com/office/powerpoint/2010/main" val="1579265263"/>
+      </p:ext>
+    </p:extLst>
+  </p:cSld>
+  <p:clrMapOvr>
+    <a:masterClrMapping/>
+  </p:clrMapOvr>
+  <p:timing>
+    <p:tnLst>
+      <p:par>
+        <p:cTn id="1" dur="indefinite" restart="never" nodeType="tmRoot"/>
+      </p:par>
+    </p:tnLst>
+  </p:timing>
+</p:sld>
+</file>
+
+<file path=ppt/slides/slide9.xml><?xml version="1.0" encoding="utf-8"?>
+<p:sld xmlns:a="http://schemas.openxmlformats.org/drawingml/2006/main" xmlns:r="http://schemas.openxmlformats.org/officeDocument/2006/relationships" xmlns:p="http://schemas.openxmlformats.org/presentationml/2006/main">
+  <p:cSld>
+    <p:spTree>
+      <p:nvGrpSpPr>
+        <p:cNvPr id="1" name=""/>
+        <p:cNvGrpSpPr/>
+        <p:nvPr/>
+      </p:nvGrpSpPr>
+      <p:grpSpPr>
+        <a:xfrm>
+          <a:off x="0" y="0"/>
+          <a:ext cx="0" cy="0"/>
+          <a:chOff x="0" y="0"/>
+          <a:chExt cx="0" cy="0"/>
+        </a:xfrm>
+      </p:grpSpPr>
+      <p:sp>
+        <p:nvSpPr>
+          <p:cNvPr id="3" name="スライド番号プレースホルダー 2"/>
+          <p:cNvSpPr>
+            <a:spLocks noGrp="1"/>
+          </p:cNvSpPr>
+          <p:nvPr>
+            <p:ph type="sldNum" sz="quarter" idx="12"/>
+          </p:nvPr>
+        </p:nvSpPr>
+        <p:spPr/>
+        <p:txBody>
+          <a:bodyPr/>
+          <a:lstStyle/>
+          <a:p>
+            <a:fld id="{1B2C9F7E-80B6-4C3C-8A6C-643968CAB744}" type="slidenum">
+              <a:rPr kumimoji="1" lang="ja-JP" altLang="en-US" smtClean="0"/>
+              <a:pPr/>
+              <a:t>9</a:t>
+            </a:fld>
+            <a:endParaRPr kumimoji="1" lang="ja-JP" altLang="en-US"/>
+          </a:p>
+        </p:txBody>
+      </p:sp>
+      <p:sp>
+        <p:nvSpPr>
+          <p:cNvPr id="4" name="タイトル 3"/>
+          <p:cNvSpPr>
+            <a:spLocks noGrp="1"/>
+          </p:cNvSpPr>
+          <p:nvPr>
+            <p:ph type="title"/>
+          </p:nvPr>
+        </p:nvSpPr>
+        <p:spPr/>
+        <p:txBody>
+          <a:bodyPr/>
+          <a:lstStyle/>
+          <a:p>
+            <a:r>
+              <a:rPr lang="ja-JP" altLang="en-US" dirty="0" smtClean="0"/>
+              <a:t>月報承認</a:t>
+            </a:r>
+            <a:r>
+              <a:rPr kumimoji="1" lang="ja-JP" altLang="en-US" dirty="0" smtClean="0"/>
+              <a:t>画面</a:t>
+            </a:r>
+            <a:endParaRPr kumimoji="1" lang="ja-JP" altLang="en-US" dirty="0"/>
+          </a:p>
+        </p:txBody>
+      </p:sp>
+      <p:pic>
+        <p:nvPicPr>
+          <p:cNvPr id="7171" name="Picture 3"/>
+          <p:cNvPicPr>
+            <a:picLocks noGrp="1" noChangeAspect="1" noChangeArrowheads="1"/>
+          </p:cNvPicPr>
+          <p:nvPr>
+            <p:ph idx="1"/>
+          </p:nvPr>
+        </p:nvPicPr>
+        <p:blipFill>
+          <a:blip r:embed="rId2">
+            <a:extLst>
+              <a:ext uri="{28A0092B-C50C-407E-A947-70E740481C1C}">
+                <a14:useLocalDpi xmlns:a14="http://schemas.microsoft.com/office/drawing/2010/main" val="0"/>
+              </a:ext>
+            </a:extLst>
+          </a:blip>
+          <a:srcRect/>
+          <a:stretch>
+            <a:fillRect/>
+          </a:stretch>
+        </p:blipFill>
+        <p:spPr bwMode="auto">
+          <a:xfrm>
+            <a:off x="1554692" y="1481138"/>
+            <a:ext cx="6034616" cy="4525962"/>
+          </a:xfrm>
+          <a:prstGeom prst="rect">
+            <a:avLst/>
+          </a:prstGeom>
+          <a:noFill/>
+          <a:ln w="9525">
+            <a:solidFill>
+              <a:schemeClr val="tx1"/>
+            </a:solidFill>
+            <a:miter lim="800000"/>
+            <a:headEnd/>
+            <a:tailEnd/>
+          </a:ln>
+          <a:extLst>
+            <a:ext uri="{909E8E84-426E-40DD-AFC4-6F175D3DCCD1}">
+              <a14:hiddenFill xmlns:a14="http://schemas.microsoft.com/office/drawing/2010/main">
+                <a:solidFill>
+                  <a:schemeClr val="accent1"/>
+                </a:solidFill>
+              </a14:hiddenFill>
+            </a:ext>
+          </a:extLst>
+        </p:spPr>
+      </p:pic>
+    </p:spTree>
+    <p:extLst>
+      <p:ext uri="{BB962C8B-B14F-4D97-AF65-F5344CB8AC3E}">
+        <p14:creationId xmlns:p14="http://schemas.microsoft.com/office/powerpoint/2010/main" val="3094818419"/>
       </p:ext>
     </p:extLst>
   </p:cSld>
